--- a/AOOP_Final_Presentation_Runtime_Terror.pptx
+++ b/AOOP_Final_Presentation_Runtime_Terror.pptx
@@ -11105,7 +11105,7 @@
       </p:grpSpPr>
       <p:sp useBgFill="1">
         <p:nvSpPr>
-          <p:cNvPr id="15" name="Rectangle 14">
+          <p:cNvPr id="27" name="Rectangle 26">
             <a:extLst>
               <a:ext uri="{FF2B5EF4-FFF2-40B4-BE49-F238E27FC236}">
                 <a16:creationId xmlns:a16="http://schemas.microsoft.com/office/drawing/2014/main" id="{665DBBEF-238B-476B-96AB-8AAC3224ECEA}"/>
@@ -11207,7 +11207,7 @@
       </p:sp>
       <p:sp>
         <p:nvSpPr>
-          <p:cNvPr id="17" name="sketch line">
+          <p:cNvPr id="29" name="sketch line">
             <a:extLst>
               <a:ext uri="{FF2B5EF4-FFF2-40B4-BE49-F238E27FC236}">
                 <a16:creationId xmlns:a16="http://schemas.microsoft.com/office/drawing/2014/main" id="{3FCFB1DE-0B7E-48CC-BA90-B2AB0889F9D6}"/>
@@ -11480,10 +11480,10 @@
       </p:sp>
       <p:pic>
         <p:nvPicPr>
-          <p:cNvPr id="5" name="Picture 4">
+          <p:cNvPr id="22" name="Picture 21" descr="A diagram of a computer&#10;&#10;AI-generated content may be incorrect.">
             <a:extLst>
               <a:ext uri="{FF2B5EF4-FFF2-40B4-BE49-F238E27FC236}">
-                <a16:creationId xmlns:a16="http://schemas.microsoft.com/office/drawing/2014/main" id="{A7F8CE4F-8F8B-7336-03D7-758BC0E0086E}"/>
+                <a16:creationId xmlns:a16="http://schemas.microsoft.com/office/drawing/2014/main" id="{81FA174F-F125-152E-F3E7-638B2724F6A1}"/>
               </a:ext>
             </a:extLst>
           </p:cNvPr>
@@ -11500,8 +11500,8 @@
         </p:blipFill>
         <p:spPr>
           <a:xfrm>
-            <a:off x="5324879" y="640080"/>
-            <a:ext cx="5873449" cy="5550408"/>
+            <a:off x="4654296" y="827040"/>
+            <a:ext cx="7214616" cy="5176487"/>
           </a:xfrm>
           <a:prstGeom prst="rect">
             <a:avLst/>
